--- a/AE/DesignPlan/BlockSchema.pptx
+++ b/AE/DesignPlan/BlockSchema.pptx
@@ -3343,12 +3343,22 @@
             <p:ph type="title"/>
           </p:nvPr>
         </p:nvSpPr>
-        <p:spPr/>
-        <p:txBody>
-          <a:bodyPr/>
-          <a:lstStyle/>
-          <a:p>
-            <a:endParaRPr lang="cs-CZ"/>
+        <p:spPr>
+          <a:xfrm>
+            <a:off x="838200" y="365125"/>
+            <a:ext cx="10515600" cy="247271"/>
+          </a:xfrm>
+        </p:spPr>
+        <p:txBody>
+          <a:bodyPr>
+            <a:noAutofit/>
+          </a:bodyPr>
+          <a:lstStyle/>
+          <a:p>
+            <a:r>
+              <a:rPr lang="cs-CZ" sz="3200" dirty="0"/>
+              <a:t>Harmonogram řešení</a:t>
+            </a:r>
           </a:p>
         </p:txBody>
       </p:sp>
@@ -3368,12 +3378,82 @@
             <p:ph idx="1"/>
           </p:nvPr>
         </p:nvSpPr>
-        <p:spPr/>
-        <p:txBody>
-          <a:bodyPr/>
-          <a:lstStyle/>
-          <a:p>
-            <a:endParaRPr lang="cs-CZ"/>
+        <p:spPr>
+          <a:xfrm>
+            <a:off x="838200" y="796954"/>
+            <a:ext cx="10515600" cy="5380009"/>
+          </a:xfrm>
+        </p:spPr>
+        <p:txBody>
+          <a:bodyPr>
+            <a:normAutofit/>
+          </a:bodyPr>
+          <a:lstStyle/>
+          <a:p>
+            <a:pPr marL="514350" indent="-514350">
+              <a:buFont typeface="+mj-lt"/>
+              <a:buAutoNum type="arabicPeriod"/>
+            </a:pPr>
+            <a:r>
+              <a:rPr lang="cs-CZ" sz="1100" dirty="0"/>
+              <a:t>Návrh pro mateřské GUI</a:t>
+            </a:r>
+          </a:p>
+          <a:p>
+            <a:pPr marL="514350" indent="-514350">
+              <a:buFont typeface="+mj-lt"/>
+              <a:buAutoNum type="arabicPeriod"/>
+            </a:pPr>
+            <a:r>
+              <a:rPr lang="cs-CZ" sz="1100" dirty="0"/>
+              <a:t>Návrh jednotného formátu pro AE dat</a:t>
+            </a:r>
+          </a:p>
+          <a:p>
+            <a:pPr marL="514350" indent="-514350">
+              <a:buFont typeface="+mj-lt"/>
+              <a:buAutoNum type="arabicPeriod"/>
+            </a:pPr>
+            <a:r>
+              <a:rPr lang="cs-CZ" sz="1100" dirty="0"/>
+              <a:t>Návrh vhodného stylu </a:t>
+            </a:r>
+            <a:r>
+              <a:rPr lang="cs-CZ" sz="1100" dirty="0" err="1"/>
+              <a:t>categorických</a:t>
+            </a:r>
+            <a:r>
+              <a:rPr lang="cs-CZ" sz="1100" dirty="0"/>
+              <a:t> proměnných</a:t>
+            </a:r>
+          </a:p>
+          <a:p>
+            <a:pPr marL="514350" indent="-514350">
+              <a:buFont typeface="+mj-lt"/>
+              <a:buAutoNum type="arabicPeriod"/>
+            </a:pPr>
+            <a:r>
+              <a:rPr lang="cs-CZ" sz="1100" dirty="0"/>
+              <a:t>Návrh bezpečného ukládání dat na </a:t>
+            </a:r>
+            <a:r>
+              <a:rPr lang="cs-CZ" sz="1100" dirty="0" err="1"/>
+              <a:t>SQLite</a:t>
+            </a:r>
+            <a:r>
+              <a:rPr lang="cs-CZ" sz="1100" dirty="0"/>
+              <a:t> (nebo jiné databázové prostředí)</a:t>
+            </a:r>
+          </a:p>
+          <a:p>
+            <a:pPr marL="514350" indent="-514350">
+              <a:buFont typeface="+mj-lt"/>
+              <a:buAutoNum type="arabicPeriod"/>
+            </a:pPr>
+            <a:r>
+              <a:rPr lang="cs-CZ" sz="1100" dirty="0"/>
+              <a:t>Návrh </a:t>
+            </a:r>
           </a:p>
         </p:txBody>
       </p:sp>
